--- a/PengIF/Six Tickets to Netiquette.pptx
+++ b/PengIF/Six Tickets to Netiquette.pptx
@@ -2,7 +2,7 @@
 <file path=ppt/presentation.xml><?xml version="1.0" encoding="utf-8"?>
 <p:presentation xmlns:a="http://schemas.openxmlformats.org/drawingml/2006/main" xmlns:r="http://schemas.openxmlformats.org/officeDocument/2006/relationships" xmlns:p="http://schemas.openxmlformats.org/presentationml/2006/main" autoCompressPictures="0">
   <p:sldMasterIdLst>
-    <p:sldMasterId id="2147483648" r:id="rId1"/>
+    <p:sldMasterId id="2147483754" r:id="rId1"/>
   </p:sldMasterIdLst>
   <p:sldIdLst>
     <p:sldId id="256" r:id="rId2"/>
@@ -12,6 +12,8 @@
     <p:sldId id="260" r:id="rId6"/>
     <p:sldId id="261" r:id="rId7"/>
     <p:sldId id="262" r:id="rId8"/>
+    <p:sldId id="263" r:id="rId9"/>
+    <p:sldId id="264" r:id="rId10"/>
   </p:sldIdLst>
   <p:sldSz cx="12192000" cy="6858000"/>
   <p:notesSz cx="6858000" cy="9144000"/>
@@ -110,6 +112,11 @@
       </a:defRPr>
     </a:lvl9pPr>
   </p:defaultTextStyle>
+  <p:extLst>
+    <p:ext uri="{EFAFB233-063F-42B5-8137-9DF3F51BA10A}">
+      <p15:sldGuideLst xmlns:p15="http://schemas.microsoft.com/office/powerpoint/2012/main"/>
+    </p:ext>
+  </p:extLst>
 </p:presentation>
 </file>
 
@@ -857,9 +864,9 @@
           <a:lstStyle/>
           <a:p>
             <a:fld id="{B61BEF0D-F0BB-DE4B-95CE-6DB70DBA9567}" type="datetimeFigureOut">
-              <a:rPr lang="en-US" dirty="0"/>
+              <a:rPr lang="en-US" smtClean="0"/>
               <a:pPr/>
-              <a:t>11/20/2018</a:t>
+              <a:t>11/22/2018</a:t>
             </a:fld>
             <a:endParaRPr lang="en-US" dirty="0"/>
           </a:p>
@@ -900,7 +907,7 @@
           <a:lstStyle/>
           <a:p>
             <a:fld id="{D57F1E4F-1CFF-5643-939E-217C01CDF565}" type="slidenum">
-              <a:rPr lang="en-US" dirty="0"/>
+              <a:rPr lang="en-US" smtClean="0"/>
               <a:pPr/>
               <a:t>‹#›</a:t>
             </a:fld>
@@ -909,6 +916,11 @@
         </p:txBody>
       </p:sp>
     </p:spTree>
+    <p:extLst>
+      <p:ext uri="{BB962C8B-B14F-4D97-AF65-F5344CB8AC3E}">
+        <p14:creationId xmlns:p14="http://schemas.microsoft.com/office/powerpoint/2010/main" val="1152747422"/>
+      </p:ext>
+    </p:extLst>
   </p:cSld>
   <p:clrMapOvr>
     <a:masterClrMapping/>
@@ -1105,9 +1117,9 @@
           <a:lstStyle/>
           <a:p>
             <a:fld id="{B61BEF0D-F0BB-DE4B-95CE-6DB70DBA9567}" type="datetimeFigureOut">
-              <a:rPr lang="en-US" dirty="0"/>
+              <a:rPr lang="en-US" smtClean="0"/>
               <a:pPr/>
-              <a:t>11/20/2018</a:t>
+              <a:t>11/22/2018</a:t>
             </a:fld>
             <a:endParaRPr lang="en-US" dirty="0"/>
           </a:p>
@@ -1148,7 +1160,7 @@
           <a:lstStyle/>
           <a:p>
             <a:fld id="{D57F1E4F-1CFF-5643-939E-217C01CDF565}" type="slidenum">
-              <a:rPr lang="en-US" dirty="0"/>
+              <a:rPr lang="en-US" smtClean="0"/>
               <a:pPr/>
               <a:t>‹#›</a:t>
             </a:fld>
@@ -1157,6 +1169,11 @@
         </p:txBody>
       </p:sp>
     </p:spTree>
+    <p:extLst>
+      <p:ext uri="{BB962C8B-B14F-4D97-AF65-F5344CB8AC3E}">
+        <p14:creationId xmlns:p14="http://schemas.microsoft.com/office/powerpoint/2010/main" val="4215140891"/>
+      </p:ext>
+    </p:extLst>
   </p:cSld>
   <p:clrMapOvr>
     <a:masterClrMapping/>
@@ -1416,9 +1433,9 @@
           <a:lstStyle/>
           <a:p>
             <a:fld id="{B61BEF0D-F0BB-DE4B-95CE-6DB70DBA9567}" type="datetimeFigureOut">
-              <a:rPr lang="en-US" dirty="0"/>
+              <a:rPr lang="en-US" smtClean="0"/>
               <a:pPr/>
-              <a:t>11/20/2018</a:t>
+              <a:t>11/22/2018</a:t>
             </a:fld>
             <a:endParaRPr lang="en-US" dirty="0"/>
           </a:p>
@@ -1459,7 +1476,7 @@
           <a:lstStyle/>
           <a:p>
             <a:fld id="{D57F1E4F-1CFF-5643-939E-217C01CDF565}" type="slidenum">
-              <a:rPr lang="en-US" dirty="0"/>
+              <a:rPr lang="en-US" smtClean="0"/>
               <a:pPr/>
               <a:t>‹#›</a:t>
             </a:fld>
@@ -1550,6 +1567,11 @@
         </p:txBody>
       </p:sp>
     </p:spTree>
+    <p:extLst>
+      <p:ext uri="{BB962C8B-B14F-4D97-AF65-F5344CB8AC3E}">
+        <p14:creationId xmlns:p14="http://schemas.microsoft.com/office/powerpoint/2010/main" val="1014119958"/>
+      </p:ext>
+    </p:extLst>
   </p:cSld>
   <p:clrMapOvr>
     <a:masterClrMapping/>
@@ -1746,9 +1768,9 @@
           <a:lstStyle/>
           <a:p>
             <a:fld id="{B61BEF0D-F0BB-DE4B-95CE-6DB70DBA9567}" type="datetimeFigureOut">
-              <a:rPr lang="en-US" dirty="0"/>
+              <a:rPr lang="en-US" smtClean="0"/>
               <a:pPr/>
-              <a:t>11/20/2018</a:t>
+              <a:t>11/22/2018</a:t>
             </a:fld>
             <a:endParaRPr lang="en-US" dirty="0"/>
           </a:p>
@@ -1789,7 +1811,7 @@
           <a:lstStyle/>
           <a:p>
             <a:fld id="{D57F1E4F-1CFF-5643-939E-217C01CDF565}" type="slidenum">
-              <a:rPr lang="en-US" dirty="0"/>
+              <a:rPr lang="en-US" smtClean="0"/>
               <a:pPr/>
               <a:t>‹#›</a:t>
             </a:fld>
@@ -1798,6 +1820,11 @@
         </p:txBody>
       </p:sp>
     </p:spTree>
+    <p:extLst>
+      <p:ext uri="{BB962C8B-B14F-4D97-AF65-F5344CB8AC3E}">
+        <p14:creationId xmlns:p14="http://schemas.microsoft.com/office/powerpoint/2010/main" val="3362416869"/>
+      </p:ext>
+    </p:extLst>
   </p:cSld>
   <p:clrMapOvr>
     <a:masterClrMapping/>
@@ -2057,9 +2084,9 @@
           <a:lstStyle/>
           <a:p>
             <a:fld id="{B61BEF0D-F0BB-DE4B-95CE-6DB70DBA9567}" type="datetimeFigureOut">
-              <a:rPr lang="en-US" dirty="0"/>
+              <a:rPr lang="en-US" smtClean="0"/>
               <a:pPr/>
-              <a:t>11/20/2018</a:t>
+              <a:t>11/22/2018</a:t>
             </a:fld>
             <a:endParaRPr lang="en-US" dirty="0"/>
           </a:p>
@@ -2100,7 +2127,7 @@
           <a:lstStyle/>
           <a:p>
             <a:fld id="{D57F1E4F-1CFF-5643-939E-217C01CDF565}" type="slidenum">
-              <a:rPr lang="en-US" dirty="0"/>
+              <a:rPr lang="en-US" smtClean="0"/>
               <a:pPr/>
               <a:t>‹#›</a:t>
             </a:fld>
@@ -2191,6 +2218,11 @@
         </p:txBody>
       </p:sp>
     </p:spTree>
+    <p:extLst>
+      <p:ext uri="{BB962C8B-B14F-4D97-AF65-F5344CB8AC3E}">
+        <p14:creationId xmlns:p14="http://schemas.microsoft.com/office/powerpoint/2010/main" val="2613961359"/>
+      </p:ext>
+    </p:extLst>
   </p:cSld>
   <p:clrMapOvr>
     <a:masterClrMapping/>
@@ -2447,9 +2479,9 @@
           <a:lstStyle/>
           <a:p>
             <a:fld id="{B61BEF0D-F0BB-DE4B-95CE-6DB70DBA9567}" type="datetimeFigureOut">
-              <a:rPr lang="en-US" dirty="0"/>
+              <a:rPr lang="en-US" smtClean="0"/>
               <a:pPr/>
-              <a:t>11/20/2018</a:t>
+              <a:t>11/22/2018</a:t>
             </a:fld>
             <a:endParaRPr lang="en-US" dirty="0"/>
           </a:p>
@@ -2490,7 +2522,7 @@
           <a:lstStyle/>
           <a:p>
             <a:fld id="{D57F1E4F-1CFF-5643-939E-217C01CDF565}" type="slidenum">
-              <a:rPr lang="en-US" dirty="0"/>
+              <a:rPr lang="en-US" smtClean="0"/>
               <a:pPr/>
               <a:t>‹#›</a:t>
             </a:fld>
@@ -2499,6 +2531,11 @@
         </p:txBody>
       </p:sp>
     </p:spTree>
+    <p:extLst>
+      <p:ext uri="{BB962C8B-B14F-4D97-AF65-F5344CB8AC3E}">
+        <p14:creationId xmlns:p14="http://schemas.microsoft.com/office/powerpoint/2010/main" val="582869979"/>
+      </p:ext>
+    </p:extLst>
   </p:cSld>
   <p:clrMapOvr>
     <a:masterClrMapping/>
@@ -2614,8 +2651,8 @@
           <a:lstStyle/>
           <a:p>
             <a:fld id="{55C6B4A9-1611-4792-9094-5F34BCA07E0B}" type="datetimeFigureOut">
-              <a:rPr lang="en-US" dirty="0"/>
-              <a:t>11/20/2018</a:t>
+              <a:rPr lang="en-US" smtClean="0"/>
+              <a:t>11/22/2018</a:t>
             </a:fld>
             <a:endParaRPr lang="en-US" dirty="0"/>
           </a:p>
@@ -2656,7 +2693,7 @@
           <a:lstStyle/>
           <a:p>
             <a:fld id="{89333C77-0158-454C-844F-B7AB9BD7DAD4}" type="slidenum">
-              <a:rPr lang="en-US" dirty="0"/>
+              <a:rPr lang="en-US" smtClean="0"/>
               <a:t>‹#›</a:t>
             </a:fld>
             <a:endParaRPr lang="en-US" dirty="0"/>
@@ -2664,6 +2701,11 @@
         </p:txBody>
       </p:sp>
     </p:spTree>
+    <p:extLst>
+      <p:ext uri="{BB962C8B-B14F-4D97-AF65-F5344CB8AC3E}">
+        <p14:creationId xmlns:p14="http://schemas.microsoft.com/office/powerpoint/2010/main" val="704296932"/>
+      </p:ext>
+    </p:extLst>
   </p:cSld>
   <p:clrMapOvr>
     <a:masterClrMapping/>
@@ -2789,9 +2831,9 @@
           <a:lstStyle/>
           <a:p>
             <a:fld id="{B61BEF0D-F0BB-DE4B-95CE-6DB70DBA9567}" type="datetimeFigureOut">
-              <a:rPr lang="en-US" dirty="0"/>
+              <a:rPr lang="en-US" smtClean="0"/>
               <a:pPr/>
-              <a:t>11/20/2018</a:t>
+              <a:t>11/22/2018</a:t>
             </a:fld>
             <a:endParaRPr lang="en-US" dirty="0"/>
           </a:p>
@@ -2832,7 +2874,7 @@
           <a:lstStyle/>
           <a:p>
             <a:fld id="{D57F1E4F-1CFF-5643-939E-217C01CDF565}" type="slidenum">
-              <a:rPr lang="en-US" dirty="0"/>
+              <a:rPr lang="en-US" smtClean="0"/>
               <a:pPr/>
               <a:t>‹#›</a:t>
             </a:fld>
@@ -2841,6 +2883,11 @@
         </p:txBody>
       </p:sp>
     </p:spTree>
+    <p:extLst>
+      <p:ext uri="{BB962C8B-B14F-4D97-AF65-F5344CB8AC3E}">
+        <p14:creationId xmlns:p14="http://schemas.microsoft.com/office/powerpoint/2010/main" val="2725574197"/>
+      </p:ext>
+    </p:extLst>
   </p:cSld>
   <p:clrMapOvr>
     <a:masterClrMapping/>
@@ -2956,8 +3003,8 @@
           <a:lstStyle/>
           <a:p>
             <a:fld id="{42A54C80-263E-416B-A8E0-580EDEADCBDC}" type="datetimeFigureOut">
-              <a:rPr lang="en-US" dirty="0"/>
-              <a:t>11/20/2018</a:t>
+              <a:rPr lang="en-US" smtClean="0"/>
+              <a:t>11/22/2018</a:t>
             </a:fld>
             <a:endParaRPr lang="en-US" dirty="0"/>
           </a:p>
@@ -2998,7 +3045,7 @@
           <a:lstStyle/>
           <a:p>
             <a:fld id="{519954A3-9DFD-4C44-94BA-B95130A3BA1C}" type="slidenum">
-              <a:rPr lang="en-US" dirty="0"/>
+              <a:rPr lang="en-US" smtClean="0"/>
               <a:t>‹#›</a:t>
             </a:fld>
             <a:endParaRPr lang="en-US" dirty="0"/>
@@ -3006,6 +3053,11 @@
         </p:txBody>
       </p:sp>
     </p:spTree>
+    <p:extLst>
+      <p:ext uri="{BB962C8B-B14F-4D97-AF65-F5344CB8AC3E}">
+        <p14:creationId xmlns:p14="http://schemas.microsoft.com/office/powerpoint/2010/main" val="4100203910"/>
+      </p:ext>
+    </p:extLst>
   </p:cSld>
   <p:clrMapOvr>
     <a:masterClrMapping/>
@@ -3198,9 +3250,9 @@
           <a:lstStyle/>
           <a:p>
             <a:fld id="{B61BEF0D-F0BB-DE4B-95CE-6DB70DBA9567}" type="datetimeFigureOut">
-              <a:rPr lang="en-US" dirty="0"/>
+              <a:rPr lang="en-US" smtClean="0"/>
               <a:pPr/>
-              <a:t>11/20/2018</a:t>
+              <a:t>11/22/2018</a:t>
             </a:fld>
             <a:endParaRPr lang="en-US" dirty="0"/>
           </a:p>
@@ -3241,7 +3293,7 @@
           <a:lstStyle/>
           <a:p>
             <a:fld id="{D57F1E4F-1CFF-5643-939E-217C01CDF565}" type="slidenum">
-              <a:rPr lang="en-US" dirty="0"/>
+              <a:rPr lang="en-US" smtClean="0"/>
               <a:pPr/>
               <a:t>‹#›</a:t>
             </a:fld>
@@ -3250,6 +3302,11 @@
         </p:txBody>
       </p:sp>
     </p:spTree>
+    <p:extLst>
+      <p:ext uri="{BB962C8B-B14F-4D97-AF65-F5344CB8AC3E}">
+        <p14:creationId xmlns:p14="http://schemas.microsoft.com/office/powerpoint/2010/main" val="2135391620"/>
+      </p:ext>
+    </p:extLst>
   </p:cSld>
   <p:clrMapOvr>
     <a:masterClrMapping/>
@@ -3427,8 +3484,8 @@
           <a:lstStyle/>
           <a:p>
             <a:fld id="{42A54C80-263E-416B-A8E0-580EDEADCBDC}" type="datetimeFigureOut">
-              <a:rPr lang="en-US" dirty="0"/>
-              <a:t>11/20/2018</a:t>
+              <a:rPr lang="en-US" smtClean="0"/>
+              <a:t>11/22/2018</a:t>
             </a:fld>
             <a:endParaRPr lang="en-US" dirty="0"/>
           </a:p>
@@ -3469,7 +3526,7 @@
           <a:lstStyle/>
           <a:p>
             <a:fld id="{519954A3-9DFD-4C44-94BA-B95130A3BA1C}" type="slidenum">
-              <a:rPr lang="en-US" dirty="0"/>
+              <a:rPr lang="en-US" smtClean="0"/>
               <a:t>‹#›</a:t>
             </a:fld>
             <a:endParaRPr lang="en-US" dirty="0"/>
@@ -3477,6 +3534,11 @@
         </p:txBody>
       </p:sp>
     </p:spTree>
+    <p:extLst>
+      <p:ext uri="{BB962C8B-B14F-4D97-AF65-F5344CB8AC3E}">
+        <p14:creationId xmlns:p14="http://schemas.microsoft.com/office/powerpoint/2010/main" val="796956168"/>
+      </p:ext>
+    </p:extLst>
   </p:cSld>
   <p:clrMapOvr>
     <a:masterClrMapping/>
@@ -3796,9 +3858,9 @@
           <a:lstStyle/>
           <a:p>
             <a:fld id="{B61BEF0D-F0BB-DE4B-95CE-6DB70DBA9567}" type="datetimeFigureOut">
-              <a:rPr lang="en-US" dirty="0"/>
+              <a:rPr lang="en-US" smtClean="0"/>
               <a:pPr/>
-              <a:t>11/20/2018</a:t>
+              <a:t>11/22/2018</a:t>
             </a:fld>
             <a:endParaRPr lang="en-US" dirty="0"/>
           </a:p>
@@ -3839,7 +3901,7 @@
           <a:lstStyle/>
           <a:p>
             <a:fld id="{D57F1E4F-1CFF-5643-939E-217C01CDF565}" type="slidenum">
-              <a:rPr lang="en-US" dirty="0"/>
+              <a:rPr lang="en-US" smtClean="0"/>
               <a:pPr/>
               <a:t>‹#›</a:t>
             </a:fld>
@@ -3848,6 +3910,11 @@
         </p:txBody>
       </p:sp>
     </p:spTree>
+    <p:extLst>
+      <p:ext uri="{BB962C8B-B14F-4D97-AF65-F5344CB8AC3E}">
+        <p14:creationId xmlns:p14="http://schemas.microsoft.com/office/powerpoint/2010/main" val="410356467"/>
+      </p:ext>
+    </p:extLst>
   </p:cSld>
   <p:clrMapOvr>
     <a:masterClrMapping/>
@@ -3916,9 +3983,9 @@
           <a:lstStyle/>
           <a:p>
             <a:fld id="{B61BEF0D-F0BB-DE4B-95CE-6DB70DBA9567}" type="datetimeFigureOut">
-              <a:rPr lang="en-US" dirty="0"/>
+              <a:rPr lang="en-US" smtClean="0"/>
               <a:pPr/>
-              <a:t>11/20/2018</a:t>
+              <a:t>11/22/2018</a:t>
             </a:fld>
             <a:endParaRPr lang="en-US" dirty="0"/>
           </a:p>
@@ -3959,7 +4026,7 @@
           <a:lstStyle/>
           <a:p>
             <a:fld id="{D57F1E4F-1CFF-5643-939E-217C01CDF565}" type="slidenum">
-              <a:rPr lang="en-US" dirty="0"/>
+              <a:rPr lang="en-US" smtClean="0"/>
               <a:pPr/>
               <a:t>‹#›</a:t>
             </a:fld>
@@ -3968,6 +4035,11 @@
         </p:txBody>
       </p:sp>
     </p:spTree>
+    <p:extLst>
+      <p:ext uri="{BB962C8B-B14F-4D97-AF65-F5344CB8AC3E}">
+        <p14:creationId xmlns:p14="http://schemas.microsoft.com/office/powerpoint/2010/main" val="2005339947"/>
+      </p:ext>
+    </p:extLst>
   </p:cSld>
   <p:clrMapOvr>
     <a:masterClrMapping/>
@@ -4008,9 +4080,9 @@
           <a:lstStyle/>
           <a:p>
             <a:fld id="{B61BEF0D-F0BB-DE4B-95CE-6DB70DBA9567}" type="datetimeFigureOut">
-              <a:rPr lang="en-US" dirty="0"/>
+              <a:rPr lang="en-US" smtClean="0"/>
               <a:pPr/>
-              <a:t>11/20/2018</a:t>
+              <a:t>11/22/2018</a:t>
             </a:fld>
             <a:endParaRPr lang="en-US" dirty="0"/>
           </a:p>
@@ -4051,7 +4123,7 @@
           <a:lstStyle/>
           <a:p>
             <a:fld id="{D57F1E4F-1CFF-5643-939E-217C01CDF565}" type="slidenum">
-              <a:rPr lang="en-US" dirty="0"/>
+              <a:rPr lang="en-US" smtClean="0"/>
               <a:pPr/>
               <a:t>‹#›</a:t>
             </a:fld>
@@ -4060,6 +4132,11 @@
         </p:txBody>
       </p:sp>
     </p:spTree>
+    <p:extLst>
+      <p:ext uri="{BB962C8B-B14F-4D97-AF65-F5344CB8AC3E}">
+        <p14:creationId xmlns:p14="http://schemas.microsoft.com/office/powerpoint/2010/main" val="712999665"/>
+      </p:ext>
+    </p:extLst>
   </p:cSld>
   <p:clrMapOvr>
     <a:masterClrMapping/>
@@ -4260,8 +4337,8 @@
           <a:lstStyle/>
           <a:p>
             <a:fld id="{42A54C80-263E-416B-A8E0-580EDEADCBDC}" type="datetimeFigureOut">
-              <a:rPr lang="en-US" dirty="0"/>
-              <a:t>11/20/2018</a:t>
+              <a:rPr lang="en-US" smtClean="0"/>
+              <a:t>11/22/2018</a:t>
             </a:fld>
             <a:endParaRPr lang="en-US" dirty="0"/>
           </a:p>
@@ -4302,7 +4379,7 @@
           <a:lstStyle/>
           <a:p>
             <a:fld id="{519954A3-9DFD-4C44-94BA-B95130A3BA1C}" type="slidenum">
-              <a:rPr lang="en-US" dirty="0"/>
+              <a:rPr lang="en-US" smtClean="0"/>
               <a:t>‹#›</a:t>
             </a:fld>
             <a:endParaRPr lang="en-US" dirty="0"/>
@@ -4310,6 +4387,11 @@
         </p:txBody>
       </p:sp>
     </p:spTree>
+    <p:extLst>
+      <p:ext uri="{BB962C8B-B14F-4D97-AF65-F5344CB8AC3E}">
+        <p14:creationId xmlns:p14="http://schemas.microsoft.com/office/powerpoint/2010/main" val="4119119270"/>
+      </p:ext>
+    </p:extLst>
   </p:cSld>
   <p:clrMapOvr>
     <a:masterClrMapping/>
@@ -4537,7 +4619,7 @@
           <a:lstStyle/>
           <a:p>
             <a:fld id="{D57F1E4F-1CFF-5643-939E-217C01CDF565}" type="slidenum">
-              <a:rPr lang="en-US" dirty="0"/>
+              <a:rPr lang="en-US" smtClean="0"/>
               <a:pPr/>
               <a:t>‹#›</a:t>
             </a:fld>
@@ -4561,15 +4643,20 @@
           <a:lstStyle/>
           <a:p>
             <a:fld id="{B61BEF0D-F0BB-DE4B-95CE-6DB70DBA9567}" type="datetimeFigureOut">
-              <a:rPr lang="en-US" dirty="0"/>
+              <a:rPr lang="en-US" smtClean="0"/>
               <a:pPr/>
-              <a:t>11/20/2018</a:t>
+              <a:t>11/22/2018</a:t>
             </a:fld>
             <a:endParaRPr lang="en-US" dirty="0"/>
           </a:p>
         </p:txBody>
       </p:sp>
     </p:spTree>
+    <p:extLst>
+      <p:ext uri="{BB962C8B-B14F-4D97-AF65-F5344CB8AC3E}">
+        <p14:creationId xmlns:p14="http://schemas.microsoft.com/office/powerpoint/2010/main" val="729448226"/>
+      </p:ext>
+    </p:extLst>
   </p:cSld>
   <p:clrMapOvr>
     <a:masterClrMapping/>
@@ -5259,9 +5346,9 @@
           </a:lstStyle>
           <a:p>
             <a:fld id="{B61BEF0D-F0BB-DE4B-95CE-6DB70DBA9567}" type="datetimeFigureOut">
-              <a:rPr lang="en-US" dirty="0"/>
+              <a:rPr lang="en-US" smtClean="0"/>
               <a:pPr/>
-              <a:t>11/20/2018</a:t>
+              <a:t>11/22/2018</a:t>
             </a:fld>
             <a:endParaRPr lang="en-US" dirty="0"/>
           </a:p>
@@ -5336,7 +5423,7 @@
           </a:lstStyle>
           <a:p>
             <a:fld id="{D57F1E4F-1CFF-5643-939E-217C01CDF565}" type="slidenum">
-              <a:rPr lang="en-US" dirty="0"/>
+              <a:rPr lang="en-US" smtClean="0"/>
               <a:pPr/>
               <a:t>‹#›</a:t>
             </a:fld>
@@ -5345,25 +5432,30 @@
         </p:txBody>
       </p:sp>
     </p:spTree>
+    <p:extLst>
+      <p:ext uri="{BB962C8B-B14F-4D97-AF65-F5344CB8AC3E}">
+        <p14:creationId xmlns:p14="http://schemas.microsoft.com/office/powerpoint/2010/main" val="3232763885"/>
+      </p:ext>
+    </p:extLst>
   </p:cSld>
   <p:clrMap bg1="lt1" tx1="dk1" bg2="lt2" tx2="dk2" accent1="accent1" accent2="accent2" accent3="accent3" accent4="accent4" accent5="accent5" accent6="accent6" hlink="hlink" folHlink="folHlink"/>
   <p:sldLayoutIdLst>
-    <p:sldLayoutId id="2147483649" r:id="rId1"/>
-    <p:sldLayoutId id="2147483665" r:id="rId2"/>
-    <p:sldLayoutId id="2147483651" r:id="rId3"/>
-    <p:sldLayoutId id="2147483666" r:id="rId4"/>
-    <p:sldLayoutId id="2147483653" r:id="rId5"/>
-    <p:sldLayoutId id="2147483654" r:id="rId6"/>
-    <p:sldLayoutId id="2147483655" r:id="rId7"/>
-    <p:sldLayoutId id="2147483667" r:id="rId8"/>
-    <p:sldLayoutId id="2147483657" r:id="rId9"/>
-    <p:sldLayoutId id="2147483660" r:id="rId10"/>
-    <p:sldLayoutId id="2147483661" r:id="rId11"/>
-    <p:sldLayoutId id="2147483662" r:id="rId12"/>
-    <p:sldLayoutId id="2147483663" r:id="rId13"/>
-    <p:sldLayoutId id="2147483664" r:id="rId14"/>
-    <p:sldLayoutId id="2147483668" r:id="rId15"/>
-    <p:sldLayoutId id="2147483659" r:id="rId16"/>
+    <p:sldLayoutId id="2147483755" r:id="rId1"/>
+    <p:sldLayoutId id="2147483756" r:id="rId2"/>
+    <p:sldLayoutId id="2147483757" r:id="rId3"/>
+    <p:sldLayoutId id="2147483758" r:id="rId4"/>
+    <p:sldLayoutId id="2147483759" r:id="rId5"/>
+    <p:sldLayoutId id="2147483760" r:id="rId6"/>
+    <p:sldLayoutId id="2147483761" r:id="rId7"/>
+    <p:sldLayoutId id="2147483762" r:id="rId8"/>
+    <p:sldLayoutId id="2147483763" r:id="rId9"/>
+    <p:sldLayoutId id="2147483764" r:id="rId10"/>
+    <p:sldLayoutId id="2147483765" r:id="rId11"/>
+    <p:sldLayoutId id="2147483766" r:id="rId12"/>
+    <p:sldLayoutId id="2147483767" r:id="rId13"/>
+    <p:sldLayoutId id="2147483768" r:id="rId14"/>
+    <p:sldLayoutId id="2147483769" r:id="rId15"/>
+    <p:sldLayoutId id="2147483770" r:id="rId16"/>
   </p:sldLayoutIdLst>
   <p:txStyles>
     <p:titleStyle>
@@ -5915,7 +6007,7 @@
             </a:r>
             <a:r>
               <a:rPr lang="en-ID" b="1" dirty="0" err="1"/>
-              <a:t>Tadzkaa</a:t>
+              <a:t>Tadzaka</a:t>
             </a:r>
             <a:r>
               <a:rPr lang="en-ID" b="1" dirty="0"/>
@@ -5923,7 +6015,7 @@
             </a:r>
             <a:r>
               <a:rPr lang="en-ID" dirty="0"/>
-              <a:t>(183040017)  </a:t>
+              <a:t>(183040013)  </a:t>
             </a:r>
           </a:p>
         </p:txBody>
@@ -5938,13 +6030,13 @@
   <p:clrMapOvr>
     <a:masterClrMapping/>
   </p:clrMapOvr>
-  <mc:AlternateContent xmlns:mc="http://schemas.openxmlformats.org/markup-compatibility/2006">
-    <mc:Choice xmlns:p14="http://schemas.microsoft.com/office/powerpoint/2010/main" Requires="p14">
+  <mc:AlternateContent xmlns:mc="http://schemas.openxmlformats.org/markup-compatibility/2006" xmlns:p14="http://schemas.microsoft.com/office/powerpoint/2010/main">
+    <mc:Choice Requires="p14">
       <p:transition spd="med" p14:dur="700">
         <p:fade/>
       </p:transition>
     </mc:Choice>
-    <mc:Fallback>
+    <mc:Fallback xmlns="">
       <p:transition spd="med">
         <p:fade/>
       </p:transition>
@@ -5988,13 +6080,13 @@
         </p:nvSpPr>
         <p:spPr>
           <a:xfrm>
-            <a:off x="686042" y="2768600"/>
-            <a:ext cx="8596668" cy="1320800"/>
+            <a:off x="2972042" y="2768600"/>
+            <a:ext cx="6310668" cy="1320800"/>
           </a:xfrm>
         </p:spPr>
         <p:txBody>
           <a:bodyPr anchor="ctr">
-            <a:normAutofit/>
+            <a:normAutofit fontScale="90000"/>
           </a:bodyPr>
           <a:lstStyle/>
           <a:p>
@@ -6114,6 +6206,53 @@
           </a:p>
         </p:txBody>
       </p:sp>
+      <p:pic>
+        <p:nvPicPr>
+          <p:cNvPr id="1026" name="Picture 2" descr="Image result for think first before posting">
+            <a:extLst>
+              <a:ext uri="{FF2B5EF4-FFF2-40B4-BE49-F238E27FC236}">
+                <a16:creationId xmlns:a16="http://schemas.microsoft.com/office/drawing/2014/main" id="{FA4ADFD1-B59D-4620-8BD0-D4935B41B49A}"/>
+              </a:ext>
+            </a:extLst>
+          </p:cNvPr>
+          <p:cNvPicPr>
+            <a:picLocks noChangeAspect="1" noChangeArrowheads="1"/>
+          </p:cNvPicPr>
+          <p:nvPr/>
+        </p:nvPicPr>
+        <p:blipFill>
+          <a:blip r:embed="rId2">
+            <a:extLst>
+              <a:ext uri="{28A0092B-C50C-407E-A947-70E740481C1C}">
+                <a14:useLocalDpi xmlns:a14="http://schemas.microsoft.com/office/drawing/2010/main" val="0"/>
+              </a:ext>
+            </a:extLst>
+          </a:blip>
+          <a:srcRect/>
+          <a:stretch>
+            <a:fillRect/>
+          </a:stretch>
+        </p:blipFill>
+        <p:spPr bwMode="auto">
+          <a:xfrm>
+            <a:off x="686042" y="1905000"/>
+            <a:ext cx="2286000" cy="3048000"/>
+          </a:xfrm>
+          <a:prstGeom prst="rect">
+            <a:avLst/>
+          </a:prstGeom>
+          <a:noFill/>
+          <a:extLst>
+            <a:ext uri="{909E8E84-426E-40DD-AFC4-6F175D3DCCD1}">
+              <a14:hiddenFill xmlns:a14="http://schemas.microsoft.com/office/drawing/2010/main">
+                <a:solidFill>
+                  <a:srgbClr val="FFFFFF"/>
+                </a:solidFill>
+              </a14:hiddenFill>
+            </a:ext>
+          </a:extLst>
+        </p:spPr>
+      </p:pic>
     </p:spTree>
     <p:extLst>
       <p:ext uri="{BB962C8B-B14F-4D97-AF65-F5344CB8AC3E}">
@@ -6124,13 +6263,13 @@
   <p:clrMapOvr>
     <a:masterClrMapping/>
   </p:clrMapOvr>
-  <mc:AlternateContent xmlns:mc="http://schemas.openxmlformats.org/markup-compatibility/2006">
-    <mc:Choice xmlns:p14="http://schemas.microsoft.com/office/powerpoint/2010/main" Requires="p14">
+  <mc:AlternateContent xmlns:mc="http://schemas.openxmlformats.org/markup-compatibility/2006" xmlns:p14="http://schemas.microsoft.com/office/powerpoint/2010/main">
+    <mc:Choice Requires="p14">
       <p:transition spd="med" p14:dur="700">
         <p:fade/>
       </p:transition>
     </mc:Choice>
-    <mc:Fallback>
+    <mc:Fallback xmlns="">
       <p:transition spd="med">
         <p:fade/>
       </p:transition>
@@ -6174,8 +6313,8 @@
         </p:nvSpPr>
         <p:spPr>
           <a:xfrm>
-            <a:off x="686042" y="2768600"/>
-            <a:ext cx="8596668" cy="1320800"/>
+            <a:off x="4907470" y="2768600"/>
+            <a:ext cx="4375240" cy="1320800"/>
           </a:xfrm>
         </p:spPr>
         <p:txBody>
@@ -6300,6 +6439,53 @@
           </a:p>
         </p:txBody>
       </p:sp>
+      <p:pic>
+        <p:nvPicPr>
+          <p:cNvPr id="2050" name="Picture 2" descr="Image result for avoid flaming">
+            <a:extLst>
+              <a:ext uri="{FF2B5EF4-FFF2-40B4-BE49-F238E27FC236}">
+                <a16:creationId xmlns:a16="http://schemas.microsoft.com/office/drawing/2014/main" id="{E30E074B-3C08-4C20-AF2D-63B340F2566E}"/>
+              </a:ext>
+            </a:extLst>
+          </p:cNvPr>
+          <p:cNvPicPr>
+            <a:picLocks noChangeAspect="1" noChangeArrowheads="1"/>
+          </p:cNvPicPr>
+          <p:nvPr/>
+        </p:nvPicPr>
+        <p:blipFill>
+          <a:blip r:embed="rId2">
+            <a:extLst>
+              <a:ext uri="{28A0092B-C50C-407E-A947-70E740481C1C}">
+                <a14:useLocalDpi xmlns:a14="http://schemas.microsoft.com/office/drawing/2010/main" val="0"/>
+              </a:ext>
+            </a:extLst>
+          </a:blip>
+          <a:srcRect/>
+          <a:stretch>
+            <a:fillRect/>
+          </a:stretch>
+        </p:blipFill>
+        <p:spPr bwMode="auto">
+          <a:xfrm>
+            <a:off x="686042" y="1789611"/>
+            <a:ext cx="4221428" cy="3278778"/>
+          </a:xfrm>
+          <a:prstGeom prst="rect">
+            <a:avLst/>
+          </a:prstGeom>
+          <a:noFill/>
+          <a:extLst>
+            <a:ext uri="{909E8E84-426E-40DD-AFC4-6F175D3DCCD1}">
+              <a14:hiddenFill xmlns:a14="http://schemas.microsoft.com/office/drawing/2010/main">
+                <a:solidFill>
+                  <a:srgbClr val="FFFFFF"/>
+                </a:solidFill>
+              </a14:hiddenFill>
+            </a:ext>
+          </a:extLst>
+        </p:spPr>
+      </p:pic>
     </p:spTree>
     <p:extLst>
       <p:ext uri="{BB962C8B-B14F-4D97-AF65-F5344CB8AC3E}">
@@ -6310,13 +6496,13 @@
   <p:clrMapOvr>
     <a:masterClrMapping/>
   </p:clrMapOvr>
-  <mc:AlternateContent xmlns:mc="http://schemas.openxmlformats.org/markup-compatibility/2006">
-    <mc:Choice xmlns:p14="http://schemas.microsoft.com/office/powerpoint/2010/main" Requires="p14">
+  <mc:AlternateContent xmlns:mc="http://schemas.openxmlformats.org/markup-compatibility/2006" xmlns:p14="http://schemas.microsoft.com/office/powerpoint/2010/main">
+    <mc:Choice Requires="p14">
       <p:transition spd="med" p14:dur="700">
         <p:fade/>
       </p:transition>
     </mc:Choice>
-    <mc:Fallback>
+    <mc:Fallback xmlns="">
       <p:transition spd="med">
         <p:fade/>
       </p:transition>
@@ -6360,13 +6546,13 @@
         </p:nvSpPr>
         <p:spPr>
           <a:xfrm>
-            <a:off x="686042" y="2768600"/>
-            <a:ext cx="8596668" cy="1320800"/>
+            <a:off x="3543542" y="2768600"/>
+            <a:ext cx="5739168" cy="1320800"/>
           </a:xfrm>
         </p:spPr>
         <p:txBody>
           <a:bodyPr anchor="ctr">
-            <a:normAutofit/>
+            <a:normAutofit fontScale="90000"/>
           </a:bodyPr>
           <a:lstStyle/>
           <a:p>
@@ -6486,6 +6672,53 @@
           </a:p>
         </p:txBody>
       </p:sp>
+      <p:pic>
+        <p:nvPicPr>
+          <p:cNvPr id="3078" name="Picture 6" descr="Image result for triggered">
+            <a:extLst>
+              <a:ext uri="{FF2B5EF4-FFF2-40B4-BE49-F238E27FC236}">
+                <a16:creationId xmlns:a16="http://schemas.microsoft.com/office/drawing/2014/main" id="{0FD2FBE4-922D-40A1-8121-A7E6A4F329F8}"/>
+              </a:ext>
+            </a:extLst>
+          </p:cNvPr>
+          <p:cNvPicPr>
+            <a:picLocks noChangeAspect="1" noChangeArrowheads="1"/>
+          </p:cNvPicPr>
+          <p:nvPr/>
+        </p:nvPicPr>
+        <p:blipFill>
+          <a:blip r:embed="rId2">
+            <a:extLst>
+              <a:ext uri="{28A0092B-C50C-407E-A947-70E740481C1C}">
+                <a14:useLocalDpi xmlns:a14="http://schemas.microsoft.com/office/drawing/2010/main" val="0"/>
+              </a:ext>
+            </a:extLst>
+          </a:blip>
+          <a:srcRect/>
+          <a:stretch>
+            <a:fillRect/>
+          </a:stretch>
+        </p:blipFill>
+        <p:spPr bwMode="auto">
+          <a:xfrm>
+            <a:off x="686042" y="2628900"/>
+            <a:ext cx="2857500" cy="1600200"/>
+          </a:xfrm>
+          <a:prstGeom prst="rect">
+            <a:avLst/>
+          </a:prstGeom>
+          <a:noFill/>
+          <a:extLst>
+            <a:ext uri="{909E8E84-426E-40DD-AFC4-6F175D3DCCD1}">
+              <a14:hiddenFill xmlns:a14="http://schemas.microsoft.com/office/drawing/2010/main">
+                <a:solidFill>
+                  <a:srgbClr val="FFFFFF"/>
+                </a:solidFill>
+              </a14:hiddenFill>
+            </a:ext>
+          </a:extLst>
+        </p:spPr>
+      </p:pic>
     </p:spTree>
     <p:extLst>
       <p:ext uri="{BB962C8B-B14F-4D97-AF65-F5344CB8AC3E}">
@@ -6496,13 +6729,13 @@
   <p:clrMapOvr>
     <a:masterClrMapping/>
   </p:clrMapOvr>
-  <mc:AlternateContent xmlns:mc="http://schemas.openxmlformats.org/markup-compatibility/2006">
-    <mc:Choice xmlns:p14="http://schemas.microsoft.com/office/powerpoint/2010/main" Requires="p14">
+  <mc:AlternateContent xmlns:mc="http://schemas.openxmlformats.org/markup-compatibility/2006" xmlns:p14="http://schemas.microsoft.com/office/powerpoint/2010/main">
+    <mc:Choice Requires="p14">
       <p:transition spd="med" p14:dur="700">
         <p:fade/>
       </p:transition>
     </mc:Choice>
-    <mc:Fallback>
+    <mc:Fallback xmlns="">
       <p:transition spd="med">
         <p:fade/>
       </p:transition>
@@ -6546,8 +6779,8 @@
         </p:nvSpPr>
         <p:spPr>
           <a:xfrm>
-            <a:off x="686042" y="2768600"/>
-            <a:ext cx="8596668" cy="1320800"/>
+            <a:off x="4241734" y="2768600"/>
+            <a:ext cx="5040976" cy="1320800"/>
           </a:xfrm>
         </p:spPr>
         <p:txBody>
@@ -6672,6 +6905,53 @@
           </a:p>
         </p:txBody>
       </p:sp>
+      <p:pic>
+        <p:nvPicPr>
+          <p:cNvPr id="4098" name="Picture 2" descr="Image result for avoid patronizing">
+            <a:extLst>
+              <a:ext uri="{FF2B5EF4-FFF2-40B4-BE49-F238E27FC236}">
+                <a16:creationId xmlns:a16="http://schemas.microsoft.com/office/drawing/2014/main" id="{6106F25A-1E48-4963-8C28-8524D209C28D}"/>
+              </a:ext>
+            </a:extLst>
+          </p:cNvPr>
+          <p:cNvPicPr>
+            <a:picLocks noChangeAspect="1" noChangeArrowheads="1"/>
+          </p:cNvPicPr>
+          <p:nvPr/>
+        </p:nvPicPr>
+        <p:blipFill>
+          <a:blip r:embed="rId2">
+            <a:extLst>
+              <a:ext uri="{28A0092B-C50C-407E-A947-70E740481C1C}">
+                <a14:useLocalDpi xmlns:a14="http://schemas.microsoft.com/office/drawing/2010/main" val="0"/>
+              </a:ext>
+            </a:extLst>
+          </a:blip>
+          <a:srcRect/>
+          <a:stretch>
+            <a:fillRect/>
+          </a:stretch>
+        </p:blipFill>
+        <p:spPr bwMode="auto">
+          <a:xfrm>
+            <a:off x="686042" y="1942012"/>
+            <a:ext cx="3555692" cy="2973976"/>
+          </a:xfrm>
+          <a:prstGeom prst="rect">
+            <a:avLst/>
+          </a:prstGeom>
+          <a:noFill/>
+          <a:extLst>
+            <a:ext uri="{909E8E84-426E-40DD-AFC4-6F175D3DCCD1}">
+              <a14:hiddenFill xmlns:a14="http://schemas.microsoft.com/office/drawing/2010/main">
+                <a:solidFill>
+                  <a:srgbClr val="FFFFFF"/>
+                </a:solidFill>
+              </a14:hiddenFill>
+            </a:ext>
+          </a:extLst>
+        </p:spPr>
+      </p:pic>
     </p:spTree>
     <p:extLst>
       <p:ext uri="{BB962C8B-B14F-4D97-AF65-F5344CB8AC3E}">
@@ -6682,13 +6962,13 @@
   <p:clrMapOvr>
     <a:masterClrMapping/>
   </p:clrMapOvr>
-  <mc:AlternateContent xmlns:mc="http://schemas.openxmlformats.org/markup-compatibility/2006">
-    <mc:Choice xmlns:p14="http://schemas.microsoft.com/office/powerpoint/2010/main" Requires="p14">
+  <mc:AlternateContent xmlns:mc="http://schemas.openxmlformats.org/markup-compatibility/2006" xmlns:p14="http://schemas.microsoft.com/office/powerpoint/2010/main">
+    <mc:Choice Requires="p14">
       <p:transition spd="med" p14:dur="700">
         <p:fade/>
       </p:transition>
     </mc:Choice>
-    <mc:Fallback>
+    <mc:Fallback xmlns="">
       <p:transition spd="med">
         <p:fade/>
       </p:transition>
@@ -6732,7 +7012,7 @@
         </p:nvSpPr>
         <p:spPr>
           <a:xfrm>
-            <a:off x="686042" y="2768600"/>
+            <a:off x="686042" y="4231640"/>
             <a:ext cx="8596668" cy="1320800"/>
           </a:xfrm>
         </p:spPr>
@@ -6858,6 +7138,53 @@
           </a:p>
         </p:txBody>
       </p:sp>
+      <p:pic>
+        <p:nvPicPr>
+          <p:cNvPr id="5122" name="Picture 2" descr="Image result for know your audience">
+            <a:extLst>
+              <a:ext uri="{FF2B5EF4-FFF2-40B4-BE49-F238E27FC236}">
+                <a16:creationId xmlns:a16="http://schemas.microsoft.com/office/drawing/2014/main" id="{EDF0EE0D-BE7A-40C3-8732-FBACCBB9E50C}"/>
+              </a:ext>
+            </a:extLst>
+          </p:cNvPr>
+          <p:cNvPicPr>
+            <a:picLocks noChangeAspect="1" noChangeArrowheads="1"/>
+          </p:cNvPicPr>
+          <p:nvPr/>
+        </p:nvPicPr>
+        <p:blipFill>
+          <a:blip r:embed="rId2">
+            <a:extLst>
+              <a:ext uri="{28A0092B-C50C-407E-A947-70E740481C1C}">
+                <a14:useLocalDpi xmlns:a14="http://schemas.microsoft.com/office/drawing/2010/main" val="0"/>
+              </a:ext>
+            </a:extLst>
+          </a:blip>
+          <a:srcRect/>
+          <a:stretch>
+            <a:fillRect/>
+          </a:stretch>
+        </p:blipFill>
+        <p:spPr bwMode="auto">
+          <a:xfrm>
+            <a:off x="1422570" y="1305560"/>
+            <a:ext cx="7123612" cy="2995570"/>
+          </a:xfrm>
+          <a:prstGeom prst="rect">
+            <a:avLst/>
+          </a:prstGeom>
+          <a:noFill/>
+          <a:extLst>
+            <a:ext uri="{909E8E84-426E-40DD-AFC4-6F175D3DCCD1}">
+              <a14:hiddenFill xmlns:a14="http://schemas.microsoft.com/office/drawing/2010/main">
+                <a:solidFill>
+                  <a:srgbClr val="FFFFFF"/>
+                </a:solidFill>
+              </a14:hiddenFill>
+            </a:ext>
+          </a:extLst>
+        </p:spPr>
+      </p:pic>
     </p:spTree>
     <p:extLst>
       <p:ext uri="{BB962C8B-B14F-4D97-AF65-F5344CB8AC3E}">
@@ -6868,13 +7195,13 @@
   <p:clrMapOvr>
     <a:masterClrMapping/>
   </p:clrMapOvr>
-  <mc:AlternateContent xmlns:mc="http://schemas.openxmlformats.org/markup-compatibility/2006">
-    <mc:Choice xmlns:p14="http://schemas.microsoft.com/office/powerpoint/2010/main" Requires="p14">
+  <mc:AlternateContent xmlns:mc="http://schemas.openxmlformats.org/markup-compatibility/2006" xmlns:p14="http://schemas.microsoft.com/office/powerpoint/2010/main">
+    <mc:Choice Requires="p14">
       <p:transition spd="med" p14:dur="700">
         <p:fade/>
       </p:transition>
     </mc:Choice>
-    <mc:Fallback>
+    <mc:Fallback xmlns="">
       <p:transition spd="med">
         <p:fade/>
       </p:transition>
@@ -6918,13 +7245,13 @@
         </p:nvSpPr>
         <p:spPr>
           <a:xfrm>
-            <a:off x="686042" y="2768600"/>
-            <a:ext cx="8596668" cy="1320800"/>
+            <a:off x="2909290" y="2768600"/>
+            <a:ext cx="6373420" cy="1320800"/>
           </a:xfrm>
         </p:spPr>
         <p:txBody>
           <a:bodyPr anchor="ctr">
-            <a:normAutofit/>
+            <a:normAutofit fontScale="90000"/>
           </a:bodyPr>
           <a:lstStyle/>
           <a:p>
@@ -7044,6 +7371,53 @@
           </a:p>
         </p:txBody>
       </p:sp>
+      <p:pic>
+        <p:nvPicPr>
+          <p:cNvPr id="6146" name="Picture 2" descr="Image result for forgive other people mistake">
+            <a:extLst>
+              <a:ext uri="{FF2B5EF4-FFF2-40B4-BE49-F238E27FC236}">
+                <a16:creationId xmlns:a16="http://schemas.microsoft.com/office/drawing/2014/main" id="{4B56801C-1C00-421F-A210-E4B064622FF5}"/>
+              </a:ext>
+            </a:extLst>
+          </p:cNvPr>
+          <p:cNvPicPr>
+            <a:picLocks noChangeAspect="1" noChangeArrowheads="1"/>
+          </p:cNvPicPr>
+          <p:nvPr/>
+        </p:nvPicPr>
+        <p:blipFill>
+          <a:blip r:embed="rId2">
+            <a:extLst>
+              <a:ext uri="{28A0092B-C50C-407E-A947-70E740481C1C}">
+                <a14:useLocalDpi xmlns:a14="http://schemas.microsoft.com/office/drawing/2010/main" val="0"/>
+              </a:ext>
+            </a:extLst>
+          </a:blip>
+          <a:srcRect/>
+          <a:stretch>
+            <a:fillRect/>
+          </a:stretch>
+        </p:blipFill>
+        <p:spPr bwMode="auto">
+          <a:xfrm>
+            <a:off x="756640" y="2436632"/>
+            <a:ext cx="2152650" cy="2124075"/>
+          </a:xfrm>
+          <a:prstGeom prst="rect">
+            <a:avLst/>
+          </a:prstGeom>
+          <a:noFill/>
+          <a:extLst>
+            <a:ext uri="{909E8E84-426E-40DD-AFC4-6F175D3DCCD1}">
+              <a14:hiddenFill xmlns:a14="http://schemas.microsoft.com/office/drawing/2010/main">
+                <a:solidFill>
+                  <a:srgbClr val="FFFFFF"/>
+                </a:solidFill>
+              </a14:hiddenFill>
+            </a:ext>
+          </a:extLst>
+        </p:spPr>
+      </p:pic>
     </p:spTree>
     <p:extLst>
       <p:ext uri="{BB962C8B-B14F-4D97-AF65-F5344CB8AC3E}">
@@ -7054,13 +7428,692 @@
   <p:clrMapOvr>
     <a:masterClrMapping/>
   </p:clrMapOvr>
-  <mc:AlternateContent xmlns:mc="http://schemas.openxmlformats.org/markup-compatibility/2006">
-    <mc:Choice xmlns:p14="http://schemas.microsoft.com/office/powerpoint/2010/main" Requires="p14">
+  <mc:AlternateContent xmlns:mc="http://schemas.openxmlformats.org/markup-compatibility/2006" xmlns:p14="http://schemas.microsoft.com/office/powerpoint/2010/main">
+    <mc:Choice Requires="p14">
       <p:transition spd="med" p14:dur="700">
         <p:fade/>
       </p:transition>
     </mc:Choice>
-    <mc:Fallback>
+    <mc:Fallback xmlns="">
+      <p:transition spd="med">
+        <p:fade/>
+      </p:transition>
+    </mc:Fallback>
+  </mc:AlternateContent>
+</p:sld>
+</file>
+
+<file path=ppt/slides/slide8.xml><?xml version="1.0" encoding="utf-8"?>
+<p:sld xmlns:a="http://schemas.openxmlformats.org/drawingml/2006/main" xmlns:r="http://schemas.openxmlformats.org/officeDocument/2006/relationships" xmlns:p="http://schemas.openxmlformats.org/presentationml/2006/main">
+  <p:cSld>
+    <p:spTree>
+      <p:nvGrpSpPr>
+        <p:cNvPr id="1" name=""/>
+        <p:cNvGrpSpPr/>
+        <p:nvPr/>
+      </p:nvGrpSpPr>
+      <p:grpSpPr>
+        <a:xfrm>
+          <a:off x="0" y="0"/>
+          <a:ext cx="0" cy="0"/>
+          <a:chOff x="0" y="0"/>
+          <a:chExt cx="0" cy="0"/>
+        </a:xfrm>
+      </p:grpSpPr>
+      <p:sp>
+        <p:nvSpPr>
+          <p:cNvPr id="2" name="Title 1">
+            <a:extLst>
+              <a:ext uri="{FF2B5EF4-FFF2-40B4-BE49-F238E27FC236}">
+                <a16:creationId xmlns:a16="http://schemas.microsoft.com/office/drawing/2014/main" id="{B31BE8A5-DA0B-4D37-9BC1-E924CD91DE73}"/>
+              </a:ext>
+            </a:extLst>
+          </p:cNvPr>
+          <p:cNvSpPr>
+            <a:spLocks noGrp="1"/>
+          </p:cNvSpPr>
+          <p:nvPr>
+            <p:ph type="title"/>
+          </p:nvPr>
+        </p:nvSpPr>
+        <p:spPr>
+          <a:xfrm>
+            <a:off x="1405780" y="2768600"/>
+            <a:ext cx="6373420" cy="1320800"/>
+          </a:xfrm>
+        </p:spPr>
+        <p:txBody>
+          <a:bodyPr anchor="ctr">
+            <a:normAutofit/>
+          </a:bodyPr>
+          <a:lstStyle/>
+          <a:p>
+            <a:pPr algn="ctr"/>
+            <a:r>
+              <a:rPr lang="en-ID" sz="4400" dirty="0"/>
+              <a:t>Summary</a:t>
+            </a:r>
+          </a:p>
+        </p:txBody>
+      </p:sp>
+      <p:sp>
+        <p:nvSpPr>
+          <p:cNvPr id="3" name="Title 1">
+            <a:extLst>
+              <a:ext uri="{FF2B5EF4-FFF2-40B4-BE49-F238E27FC236}">
+                <a16:creationId xmlns:a16="http://schemas.microsoft.com/office/drawing/2014/main" id="{0024B51B-DB32-4446-AF94-7D08AB4D1FA4}"/>
+              </a:ext>
+            </a:extLst>
+          </p:cNvPr>
+          <p:cNvSpPr txBox="1">
+            <a:spLocks/>
+          </p:cNvSpPr>
+          <p:nvPr/>
+        </p:nvSpPr>
+        <p:spPr>
+          <a:xfrm>
+            <a:off x="294156" y="6439264"/>
+            <a:ext cx="8596668" cy="418736"/>
+          </a:xfrm>
+          <a:prstGeom prst="rect">
+            <a:avLst/>
+          </a:prstGeom>
+        </p:spPr>
+        <p:txBody>
+          <a:bodyPr vert="horz" lIns="91440" tIns="45720" rIns="91440" bIns="45720" rtlCol="0" anchor="ctr">
+            <a:normAutofit/>
+          </a:bodyPr>
+          <a:lstStyle>
+            <a:lvl1pPr algn="l" defTabSz="457200" rtl="0" eaLnBrk="1" latinLnBrk="0" hangingPunct="1">
+              <a:spcBef>
+                <a:spcPct val="0"/>
+              </a:spcBef>
+              <a:buNone/>
+              <a:defRPr sz="3600" kern="1200">
+                <a:solidFill>
+                  <a:schemeClr val="accent1"/>
+                </a:solidFill>
+                <a:latin typeface="+mj-lt"/>
+                <a:ea typeface="+mj-ea"/>
+                <a:cs typeface="+mj-cs"/>
+              </a:defRPr>
+            </a:lvl1pPr>
+            <a:lvl2pPr eaLnBrk="1" hangingPunct="1">
+              <a:defRPr>
+                <a:solidFill>
+                  <a:schemeClr val="tx2"/>
+                </a:solidFill>
+              </a:defRPr>
+            </a:lvl2pPr>
+            <a:lvl3pPr eaLnBrk="1" hangingPunct="1">
+              <a:defRPr>
+                <a:solidFill>
+                  <a:schemeClr val="tx2"/>
+                </a:solidFill>
+              </a:defRPr>
+            </a:lvl3pPr>
+            <a:lvl4pPr eaLnBrk="1" hangingPunct="1">
+              <a:defRPr>
+                <a:solidFill>
+                  <a:schemeClr val="tx2"/>
+                </a:solidFill>
+              </a:defRPr>
+            </a:lvl4pPr>
+            <a:lvl5pPr eaLnBrk="1" hangingPunct="1">
+              <a:defRPr>
+                <a:solidFill>
+                  <a:schemeClr val="tx2"/>
+                </a:solidFill>
+              </a:defRPr>
+            </a:lvl5pPr>
+            <a:lvl6pPr eaLnBrk="1" hangingPunct="1">
+              <a:defRPr>
+                <a:solidFill>
+                  <a:schemeClr val="tx2"/>
+                </a:solidFill>
+              </a:defRPr>
+            </a:lvl6pPr>
+            <a:lvl7pPr eaLnBrk="1" hangingPunct="1">
+              <a:defRPr>
+                <a:solidFill>
+                  <a:schemeClr val="tx2"/>
+                </a:solidFill>
+              </a:defRPr>
+            </a:lvl7pPr>
+            <a:lvl8pPr eaLnBrk="1" hangingPunct="1">
+              <a:defRPr>
+                <a:solidFill>
+                  <a:schemeClr val="tx2"/>
+                </a:solidFill>
+              </a:defRPr>
+            </a:lvl8pPr>
+            <a:lvl9pPr eaLnBrk="1" hangingPunct="1">
+              <a:defRPr>
+                <a:solidFill>
+                  <a:schemeClr val="tx2"/>
+                </a:solidFill>
+              </a:defRPr>
+            </a:lvl9pPr>
+          </a:lstStyle>
+          <a:p>
+            <a:pPr algn="ctr"/>
+            <a:r>
+              <a:rPr lang="en-ID" sz="1200" dirty="0"/>
+              <a:t>https://www.harjasaputra.com/riset/pedoman-dalam-berinteraksi-di-dunia-maya-netiquette.html</a:t>
+            </a:r>
+          </a:p>
+        </p:txBody>
+      </p:sp>
+    </p:spTree>
+    <p:extLst>
+      <p:ext uri="{BB962C8B-B14F-4D97-AF65-F5344CB8AC3E}">
+        <p14:creationId xmlns:p14="http://schemas.microsoft.com/office/powerpoint/2010/main" val="1400621145"/>
+      </p:ext>
+    </p:extLst>
+  </p:cSld>
+  <p:clrMapOvr>
+    <a:masterClrMapping/>
+  </p:clrMapOvr>
+  <mc:AlternateContent xmlns:mc="http://schemas.openxmlformats.org/markup-compatibility/2006" xmlns:p14="http://schemas.microsoft.com/office/powerpoint/2010/main">
+    <mc:Choice Requires="p14">
+      <p:transition spd="med" p14:dur="700">
+        <p:fade/>
+      </p:transition>
+    </mc:Choice>
+    <mc:Fallback xmlns="">
+      <p:transition spd="med">
+        <p:fade/>
+      </p:transition>
+    </mc:Fallback>
+  </mc:AlternateContent>
+</p:sld>
+</file>
+
+<file path=ppt/slides/slide9.xml><?xml version="1.0" encoding="utf-8"?>
+<p:sld xmlns:a="http://schemas.openxmlformats.org/drawingml/2006/main" xmlns:r="http://schemas.openxmlformats.org/officeDocument/2006/relationships" xmlns:p="http://schemas.openxmlformats.org/presentationml/2006/main">
+  <p:cSld>
+    <p:spTree>
+      <p:nvGrpSpPr>
+        <p:cNvPr id="1" name=""/>
+        <p:cNvGrpSpPr/>
+        <p:nvPr/>
+      </p:nvGrpSpPr>
+      <p:grpSpPr>
+        <a:xfrm>
+          <a:off x="0" y="0"/>
+          <a:ext cx="0" cy="0"/>
+          <a:chOff x="0" y="0"/>
+          <a:chExt cx="0" cy="0"/>
+        </a:xfrm>
+      </p:grpSpPr>
+      <p:sp>
+        <p:nvSpPr>
+          <p:cNvPr id="2" name="Title 1">
+            <a:extLst>
+              <a:ext uri="{FF2B5EF4-FFF2-40B4-BE49-F238E27FC236}">
+                <a16:creationId xmlns:a16="http://schemas.microsoft.com/office/drawing/2014/main" id="{B31BE8A5-DA0B-4D37-9BC1-E924CD91DE73}"/>
+              </a:ext>
+            </a:extLst>
+          </p:cNvPr>
+          <p:cNvSpPr>
+            <a:spLocks noGrp="1"/>
+          </p:cNvSpPr>
+          <p:nvPr>
+            <p:ph type="title"/>
+          </p:nvPr>
+        </p:nvSpPr>
+        <p:spPr>
+          <a:xfrm>
+            <a:off x="1405780" y="1775592"/>
+            <a:ext cx="6373420" cy="1320800"/>
+          </a:xfrm>
+        </p:spPr>
+        <p:txBody>
+          <a:bodyPr anchor="ctr">
+            <a:normAutofit/>
+          </a:bodyPr>
+          <a:lstStyle/>
+          <a:p>
+            <a:pPr algn="ctr"/>
+            <a:r>
+              <a:rPr lang="en-ID" sz="4400" dirty="0"/>
+              <a:t>Thank you</a:t>
+            </a:r>
+          </a:p>
+        </p:txBody>
+      </p:sp>
+      <p:sp>
+        <p:nvSpPr>
+          <p:cNvPr id="3" name="Title 1">
+            <a:extLst>
+              <a:ext uri="{FF2B5EF4-FFF2-40B4-BE49-F238E27FC236}">
+                <a16:creationId xmlns:a16="http://schemas.microsoft.com/office/drawing/2014/main" id="{0024B51B-DB32-4446-AF94-7D08AB4D1FA4}"/>
+              </a:ext>
+            </a:extLst>
+          </p:cNvPr>
+          <p:cNvSpPr txBox="1">
+            <a:spLocks/>
+          </p:cNvSpPr>
+          <p:nvPr/>
+        </p:nvSpPr>
+        <p:spPr>
+          <a:xfrm>
+            <a:off x="294156" y="6439264"/>
+            <a:ext cx="8596668" cy="418736"/>
+          </a:xfrm>
+          <a:prstGeom prst="rect">
+            <a:avLst/>
+          </a:prstGeom>
+        </p:spPr>
+        <p:txBody>
+          <a:bodyPr vert="horz" lIns="91440" tIns="45720" rIns="91440" bIns="45720" rtlCol="0" anchor="ctr">
+            <a:normAutofit/>
+          </a:bodyPr>
+          <a:lstStyle>
+            <a:lvl1pPr algn="l" defTabSz="457200" rtl="0" eaLnBrk="1" latinLnBrk="0" hangingPunct="1">
+              <a:spcBef>
+                <a:spcPct val="0"/>
+              </a:spcBef>
+              <a:buNone/>
+              <a:defRPr sz="3600" kern="1200">
+                <a:solidFill>
+                  <a:schemeClr val="accent1"/>
+                </a:solidFill>
+                <a:latin typeface="+mj-lt"/>
+                <a:ea typeface="+mj-ea"/>
+                <a:cs typeface="+mj-cs"/>
+              </a:defRPr>
+            </a:lvl1pPr>
+            <a:lvl2pPr eaLnBrk="1" hangingPunct="1">
+              <a:defRPr>
+                <a:solidFill>
+                  <a:schemeClr val="tx2"/>
+                </a:solidFill>
+              </a:defRPr>
+            </a:lvl2pPr>
+            <a:lvl3pPr eaLnBrk="1" hangingPunct="1">
+              <a:defRPr>
+                <a:solidFill>
+                  <a:schemeClr val="tx2"/>
+                </a:solidFill>
+              </a:defRPr>
+            </a:lvl3pPr>
+            <a:lvl4pPr eaLnBrk="1" hangingPunct="1">
+              <a:defRPr>
+                <a:solidFill>
+                  <a:schemeClr val="tx2"/>
+                </a:solidFill>
+              </a:defRPr>
+            </a:lvl4pPr>
+            <a:lvl5pPr eaLnBrk="1" hangingPunct="1">
+              <a:defRPr>
+                <a:solidFill>
+                  <a:schemeClr val="tx2"/>
+                </a:solidFill>
+              </a:defRPr>
+            </a:lvl5pPr>
+            <a:lvl6pPr eaLnBrk="1" hangingPunct="1">
+              <a:defRPr>
+                <a:solidFill>
+                  <a:schemeClr val="tx2"/>
+                </a:solidFill>
+              </a:defRPr>
+            </a:lvl6pPr>
+            <a:lvl7pPr eaLnBrk="1" hangingPunct="1">
+              <a:defRPr>
+                <a:solidFill>
+                  <a:schemeClr val="tx2"/>
+                </a:solidFill>
+              </a:defRPr>
+            </a:lvl7pPr>
+            <a:lvl8pPr eaLnBrk="1" hangingPunct="1">
+              <a:defRPr>
+                <a:solidFill>
+                  <a:schemeClr val="tx2"/>
+                </a:solidFill>
+              </a:defRPr>
+            </a:lvl8pPr>
+            <a:lvl9pPr eaLnBrk="1" hangingPunct="1">
+              <a:defRPr>
+                <a:solidFill>
+                  <a:schemeClr val="tx2"/>
+                </a:solidFill>
+              </a:defRPr>
+            </a:lvl9pPr>
+          </a:lstStyle>
+          <a:p>
+            <a:pPr algn="ctr"/>
+            <a:r>
+              <a:rPr lang="en-ID" sz="1200" dirty="0"/>
+              <a:t>https://www.harjasaputra.com/riset/pedoman-dalam-berinteraksi-di-dunia-maya-netiquette.html</a:t>
+            </a:r>
+          </a:p>
+        </p:txBody>
+      </p:sp>
+      <p:sp>
+        <p:nvSpPr>
+          <p:cNvPr id="4" name="Rectangle 3">
+            <a:extLst>
+              <a:ext uri="{FF2B5EF4-FFF2-40B4-BE49-F238E27FC236}">
+                <a16:creationId xmlns:a16="http://schemas.microsoft.com/office/drawing/2014/main" id="{8853339C-796F-444F-B06B-ED462B626817}"/>
+              </a:ext>
+            </a:extLst>
+          </p:cNvPr>
+          <p:cNvSpPr/>
+          <p:nvPr/>
+        </p:nvSpPr>
+        <p:spPr>
+          <a:xfrm>
+            <a:off x="794925" y="4623382"/>
+            <a:ext cx="8095899" cy="1815882"/>
+          </a:xfrm>
+          <a:prstGeom prst="rect">
+            <a:avLst/>
+          </a:prstGeom>
+        </p:spPr>
+        <p:txBody>
+          <a:bodyPr wrap="square">
+            <a:spAutoFit/>
+          </a:bodyPr>
+          <a:lstStyle/>
+          <a:p>
+            <a:r>
+              <a:rPr lang="en-ID" sz="1400" dirty="0" err="1">
+                <a:solidFill>
+                  <a:srgbClr val="00B0F0"/>
+                </a:solidFill>
+                <a:latin typeface="Open Sans"/>
+              </a:rPr>
+              <a:t>Referensi</a:t>
+            </a:r>
+            <a:r>
+              <a:rPr lang="en-ID" sz="1400" dirty="0">
+                <a:solidFill>
+                  <a:srgbClr val="00B0F0"/>
+                </a:solidFill>
+                <a:latin typeface="Open Sans"/>
+              </a:rPr>
+              <a:t>:</a:t>
+            </a:r>
+          </a:p>
+          <a:p>
+            <a:pPr marL="285750" indent="-285750">
+              <a:buFont typeface="Arial" panose="020B0604020202020204" pitchFamily="34" charset="0"/>
+              <a:buChar char="•"/>
+            </a:pPr>
+            <a:endParaRPr lang="en-ID" sz="1400" dirty="0">
+              <a:solidFill>
+                <a:srgbClr val="00B0F0"/>
+              </a:solidFill>
+              <a:latin typeface="Open Sans"/>
+            </a:endParaRPr>
+          </a:p>
+          <a:p>
+            <a:pPr marL="285750" indent="-285750">
+              <a:buFont typeface="Arial" panose="020B0604020202020204" pitchFamily="34" charset="0"/>
+              <a:buChar char="•"/>
+            </a:pPr>
+            <a:r>
+              <a:rPr lang="en-ID" sz="1400" dirty="0">
+                <a:solidFill>
+                  <a:srgbClr val="00B0F0"/>
+                </a:solidFill>
+                <a:latin typeface="Open Sans"/>
+              </a:rPr>
+              <a:t>Scheuermann, Larry; Taylor, Gary, </a:t>
+            </a:r>
+            <a:r>
+              <a:rPr lang="en-ID" sz="1400" i="1" dirty="0">
+                <a:solidFill>
+                  <a:srgbClr val="00B0F0"/>
+                </a:solidFill>
+                <a:latin typeface="Open Sans"/>
+              </a:rPr>
+              <a:t>Netiquette</a:t>
+            </a:r>
+            <a:r>
+              <a:rPr lang="en-ID" sz="1400" dirty="0">
+                <a:solidFill>
+                  <a:srgbClr val="00B0F0"/>
+                </a:solidFill>
+                <a:latin typeface="Open Sans"/>
+              </a:rPr>
+              <a:t>, </a:t>
+            </a:r>
+            <a:r>
+              <a:rPr lang="en-ID" sz="1400" dirty="0" err="1">
+                <a:solidFill>
+                  <a:srgbClr val="00B0F0"/>
+                </a:solidFill>
+                <a:latin typeface="Open Sans"/>
+              </a:rPr>
+              <a:t>Jurnal</a:t>
+            </a:r>
+            <a:r>
+              <a:rPr lang="en-ID" sz="1400" dirty="0">
+                <a:solidFill>
+                  <a:srgbClr val="00B0F0"/>
+                </a:solidFill>
+                <a:latin typeface="Open Sans"/>
+              </a:rPr>
+              <a:t> Internet Research 7. 4  (1997): 269-273.</a:t>
+            </a:r>
+          </a:p>
+          <a:p>
+            <a:pPr marL="285750" indent="-285750">
+              <a:buFont typeface="Arial" panose="020B0604020202020204" pitchFamily="34" charset="0"/>
+              <a:buChar char="•"/>
+            </a:pPr>
+            <a:r>
+              <a:rPr lang="en-ID" sz="1400" dirty="0">
+                <a:solidFill>
+                  <a:srgbClr val="00B0F0"/>
+                </a:solidFill>
+                <a:latin typeface="Open Sans"/>
+              </a:rPr>
+              <a:t>Shea, Virginia. </a:t>
+            </a:r>
+            <a:r>
+              <a:rPr lang="en-ID" sz="1400" i="1" dirty="0">
+                <a:solidFill>
+                  <a:srgbClr val="00B0F0"/>
+                </a:solidFill>
+                <a:latin typeface="Open Sans"/>
+              </a:rPr>
+              <a:t>Netiquette</a:t>
+            </a:r>
+            <a:r>
+              <a:rPr lang="en-ID" sz="1400" dirty="0">
+                <a:solidFill>
+                  <a:srgbClr val="00B0F0"/>
+                </a:solidFill>
+                <a:latin typeface="Open Sans"/>
+              </a:rPr>
+              <a:t>. Cornell </a:t>
+            </a:r>
+            <a:r>
+              <a:rPr lang="en-ID" sz="1400" dirty="0" err="1">
+                <a:solidFill>
+                  <a:srgbClr val="00B0F0"/>
+                </a:solidFill>
+                <a:latin typeface="Open Sans"/>
+              </a:rPr>
+              <a:t>Univ</a:t>
+            </a:r>
+            <a:r>
+              <a:rPr lang="en-ID" sz="1400" dirty="0">
+                <a:solidFill>
+                  <a:srgbClr val="00B0F0"/>
+                </a:solidFill>
+                <a:latin typeface="Open Sans"/>
+              </a:rPr>
+              <a:t>: </a:t>
+            </a:r>
+            <a:r>
+              <a:rPr lang="en-ID" sz="1400" dirty="0" err="1">
+                <a:solidFill>
+                  <a:srgbClr val="00B0F0"/>
+                </a:solidFill>
+                <a:latin typeface="Open Sans"/>
+              </a:rPr>
+              <a:t>Albio</a:t>
+            </a:r>
+            <a:r>
+              <a:rPr lang="en-ID" sz="1400" dirty="0">
+                <a:solidFill>
+                  <a:srgbClr val="00B0F0"/>
+                </a:solidFill>
+                <a:latin typeface="Open Sans"/>
+              </a:rPr>
+              <a:t> Publisher, 1994, digitized 2004.</a:t>
+            </a:r>
+          </a:p>
+          <a:p>
+            <a:pPr marL="285750" indent="-285750">
+              <a:buFont typeface="Arial" panose="020B0604020202020204" pitchFamily="34" charset="0"/>
+              <a:buChar char="•"/>
+            </a:pPr>
+            <a:r>
+              <a:rPr lang="en-ID" sz="1400" dirty="0">
+                <a:solidFill>
+                  <a:srgbClr val="00B0F0"/>
+                </a:solidFill>
+                <a:latin typeface="Open Sans"/>
+              </a:rPr>
+              <a:t>Kelly, P. J. (1996), “</a:t>
+            </a:r>
+            <a:r>
+              <a:rPr lang="en-ID" sz="1400" i="1" dirty="0">
+                <a:solidFill>
+                  <a:srgbClr val="00B0F0"/>
+                </a:solidFill>
+                <a:latin typeface="Open Sans"/>
+              </a:rPr>
+              <a:t>Netiquette and </a:t>
+            </a:r>
+            <a:r>
+              <a:rPr lang="en-ID" sz="1400" i="1" dirty="0" err="1">
+                <a:solidFill>
+                  <a:srgbClr val="00B0F0"/>
+                </a:solidFill>
+                <a:latin typeface="Open Sans"/>
+              </a:rPr>
+              <a:t>Nethics</a:t>
+            </a:r>
+            <a:r>
+              <a:rPr lang="en-ID" sz="1400" dirty="0">
+                <a:solidFill>
+                  <a:srgbClr val="00B0F0"/>
+                </a:solidFill>
+                <a:latin typeface="Open Sans"/>
+              </a:rPr>
+              <a:t>” from </a:t>
+            </a:r>
+            <a:r>
+              <a:rPr lang="en-ID" sz="1400" i="1" dirty="0">
+                <a:solidFill>
+                  <a:srgbClr val="00B0F0"/>
+                </a:solidFill>
+                <a:latin typeface="Open Sans"/>
+              </a:rPr>
+              <a:t>Back to </a:t>
+            </a:r>
+            <a:r>
+              <a:rPr lang="en-ID" sz="1400" i="1" dirty="0" err="1">
+                <a:solidFill>
+                  <a:srgbClr val="00B0F0"/>
+                </a:solidFill>
+                <a:latin typeface="Open Sans"/>
+              </a:rPr>
+              <a:t>Netropolitan</a:t>
+            </a:r>
+            <a:r>
+              <a:rPr lang="en-ID" sz="1400" i="1" dirty="0">
+                <a:solidFill>
+                  <a:srgbClr val="00B0F0"/>
+                </a:solidFill>
+                <a:latin typeface="Open Sans"/>
+              </a:rPr>
+              <a:t> Life, Mind your Manners</a:t>
+            </a:r>
+            <a:r>
+              <a:rPr lang="en-ID" sz="1400" dirty="0">
+                <a:solidFill>
+                  <a:srgbClr val="00B0F0"/>
+                </a:solidFill>
+                <a:latin typeface="Open Sans"/>
+              </a:rPr>
+              <a:t>, available: http://www-home.calumet.yorku.a/pkelly/www/ nquette.htm</a:t>
+            </a:r>
+          </a:p>
+          <a:p>
+            <a:pPr marL="285750" indent="-285750">
+              <a:buFont typeface="Arial" panose="020B0604020202020204" pitchFamily="34" charset="0"/>
+              <a:buChar char="•"/>
+            </a:pPr>
+            <a:r>
+              <a:rPr lang="en-ID" sz="1400" dirty="0">
+                <a:solidFill>
+                  <a:srgbClr val="00B0F0"/>
+                </a:solidFill>
+                <a:latin typeface="Open Sans"/>
+              </a:rPr>
+              <a:t>Brakeman, L. (1995), “</a:t>
+            </a:r>
+            <a:r>
+              <a:rPr lang="en-ID" sz="1400" i="1" dirty="0">
+                <a:solidFill>
+                  <a:srgbClr val="00B0F0"/>
+                </a:solidFill>
+                <a:latin typeface="Open Sans"/>
+              </a:rPr>
+              <a:t>E-mail Lists are the Ultimate Electronic </a:t>
+            </a:r>
+            <a:r>
+              <a:rPr lang="en-ID" sz="1400" i="1" dirty="0" err="1">
+                <a:solidFill>
+                  <a:srgbClr val="00B0F0"/>
+                </a:solidFill>
+                <a:latin typeface="Open Sans"/>
+              </a:rPr>
+              <a:t>Penpals</a:t>
+            </a:r>
+            <a:r>
+              <a:rPr lang="en-ID" sz="1400" dirty="0">
+                <a:solidFill>
+                  <a:srgbClr val="00B0F0"/>
+                </a:solidFill>
+                <a:latin typeface="Open Sans"/>
+              </a:rPr>
+              <a:t>, ” Managed Healthcare, Vol. 5, July, p. 50.</a:t>
+            </a:r>
+            <a:endParaRPr lang="en-ID" sz="1400" b="0" i="0" dirty="0">
+              <a:solidFill>
+                <a:srgbClr val="00B0F0"/>
+              </a:solidFill>
+              <a:effectLst/>
+              <a:latin typeface="Open Sans"/>
+            </a:endParaRPr>
+          </a:p>
+        </p:txBody>
+      </p:sp>
+    </p:spTree>
+    <p:extLst>
+      <p:ext uri="{BB962C8B-B14F-4D97-AF65-F5344CB8AC3E}">
+        <p14:creationId xmlns:p14="http://schemas.microsoft.com/office/powerpoint/2010/main" val="2999677087"/>
+      </p:ext>
+    </p:extLst>
+  </p:cSld>
+  <p:clrMapOvr>
+    <a:masterClrMapping/>
+  </p:clrMapOvr>
+  <mc:AlternateContent xmlns:mc="http://schemas.openxmlformats.org/markup-compatibility/2006" xmlns:p14="http://schemas.microsoft.com/office/powerpoint/2010/main">
+    <mc:Choice Requires="p14">
+      <p:transition spd="med" p14:dur="700">
+        <p:fade/>
+      </p:transition>
+    </mc:Choice>
+    <mc:Fallback xmlns="">
       <p:transition spd="med">
         <p:fade/>
       </p:transition>
